--- a/PPT课件/Part5-8：解决JWT无法提前撤回的难题.pptx
+++ b/PPT课件/Part5-8：解决JWT无法提前撤回的难题.pptx
@@ -5,14 +5,15 @@
     <p:sldMasterId id="2147483678" r:id="rId1"/>
   </p:sldMasterIdLst>
   <p:notesMasterIdLst>
-    <p:notesMasterId r:id="rId7"/>
+    <p:notesMasterId r:id="rId8"/>
   </p:notesMasterIdLst>
   <p:sldIdLst>
     <p:sldId id="257" r:id="rId2"/>
     <p:sldId id="386" r:id="rId3"/>
     <p:sldId id="387" r:id="rId4"/>
     <p:sldId id="388" r:id="rId5"/>
-    <p:sldId id="275" r:id="rId6"/>
+    <p:sldId id="389" r:id="rId6"/>
+    <p:sldId id="275" r:id="rId7"/>
   </p:sldIdLst>
   <p:sldSz cx="12192000" cy="6858000"/>
   <p:notesSz cx="6858000" cy="9144000"/>
@@ -201,7 +202,7 @@
           <a:p>
             <a:fld id="{0A2FCA5F-0AB4-4B27-9880-843A32CD3FC4}" type="datetimeFigureOut">
               <a:rPr lang="zh-CN" altLang="en-US" smtClean="0"/>
-              <a:t>2021/12/28</a:t>
+              <a:t>2022/1/10</a:t>
             </a:fld>
             <a:endParaRPr lang="zh-CN" altLang="en-US"/>
           </a:p>
@@ -685,7 +686,7 @@
           <a:p>
             <a:fld id="{51EE646F-F65C-4115-9CFB-3F24605268F9}" type="datetimeFigureOut">
               <a:rPr lang="zh-CN" altLang="en-US" smtClean="0"/>
-              <a:t>2021/12/28</a:t>
+              <a:t>2022/1/10</a:t>
             </a:fld>
             <a:endParaRPr lang="zh-CN" altLang="en-US"/>
           </a:p>
@@ -972,7 +973,7 @@
           <a:p>
             <a:fld id="{51EE646F-F65C-4115-9CFB-3F24605268F9}" type="datetimeFigureOut">
               <a:rPr lang="zh-CN" altLang="en-US" smtClean="0"/>
-              <a:t>2021/12/28</a:t>
+              <a:t>2022/1/10</a:t>
             </a:fld>
             <a:endParaRPr lang="zh-CN" altLang="en-US"/>
           </a:p>
@@ -1164,7 +1165,7 @@
           <a:p>
             <a:fld id="{51EE646F-F65C-4115-9CFB-3F24605268F9}" type="datetimeFigureOut">
               <a:rPr lang="zh-CN" altLang="en-US" smtClean="0"/>
-              <a:t>2021/12/28</a:t>
+              <a:t>2022/1/10</a:t>
             </a:fld>
             <a:endParaRPr lang="zh-CN" altLang="en-US"/>
           </a:p>
@@ -1425,7 +1426,7 @@
           <a:p>
             <a:fld id="{51EE646F-F65C-4115-9CFB-3F24605268F9}" type="datetimeFigureOut">
               <a:rPr lang="zh-CN" altLang="en-US" smtClean="0"/>
-              <a:t>2021/12/28</a:t>
+              <a:t>2022/1/10</a:t>
             </a:fld>
             <a:endParaRPr lang="zh-CN" altLang="en-US"/>
           </a:p>
@@ -1849,7 +1850,7 @@
           <a:p>
             <a:fld id="{51EE646F-F65C-4115-9CFB-3F24605268F9}" type="datetimeFigureOut">
               <a:rPr lang="zh-CN" altLang="en-US" smtClean="0"/>
-              <a:t>2021/12/28</a:t>
+              <a:t>2022/1/10</a:t>
             </a:fld>
             <a:endParaRPr lang="zh-CN" altLang="en-US"/>
           </a:p>
@@ -2395,7 +2396,7 @@
           <a:p>
             <a:fld id="{51EE646F-F65C-4115-9CFB-3F24605268F9}" type="datetimeFigureOut">
               <a:rPr lang="zh-CN" altLang="en-US" smtClean="0"/>
-              <a:t>2021/12/28</a:t>
+              <a:t>2022/1/10</a:t>
             </a:fld>
             <a:endParaRPr lang="zh-CN" altLang="en-US"/>
           </a:p>
@@ -3235,7 +3236,7 @@
           <a:p>
             <a:fld id="{51EE646F-F65C-4115-9CFB-3F24605268F9}" type="datetimeFigureOut">
               <a:rPr lang="zh-CN" altLang="en-US" smtClean="0"/>
-              <a:t>2021/12/28</a:t>
+              <a:t>2022/1/10</a:t>
             </a:fld>
             <a:endParaRPr lang="zh-CN" altLang="en-US"/>
           </a:p>
@@ -3405,7 +3406,7 @@
           <a:p>
             <a:fld id="{51EE646F-F65C-4115-9CFB-3F24605268F9}" type="datetimeFigureOut">
               <a:rPr lang="zh-CN" altLang="en-US" smtClean="0"/>
-              <a:t>2021/12/28</a:t>
+              <a:t>2022/1/10</a:t>
             </a:fld>
             <a:endParaRPr lang="zh-CN" altLang="en-US"/>
           </a:p>
@@ -3589,7 +3590,7 @@
           <a:p>
             <a:fld id="{51EE646F-F65C-4115-9CFB-3F24605268F9}" type="datetimeFigureOut">
               <a:rPr lang="zh-CN" altLang="en-US" smtClean="0"/>
-              <a:t>2021/12/28</a:t>
+              <a:t>2022/1/10</a:t>
             </a:fld>
             <a:endParaRPr lang="zh-CN" altLang="en-US"/>
           </a:p>
@@ -3759,7 +3760,7 @@
           <a:p>
             <a:fld id="{51EE646F-F65C-4115-9CFB-3F24605268F9}" type="datetimeFigureOut">
               <a:rPr lang="zh-CN" altLang="en-US" smtClean="0"/>
-              <a:t>2021/12/28</a:t>
+              <a:t>2022/1/10</a:t>
             </a:fld>
             <a:endParaRPr lang="zh-CN" altLang="en-US"/>
           </a:p>
@@ -4007,7 +4008,7 @@
           <a:p>
             <a:fld id="{51EE646F-F65C-4115-9CFB-3F24605268F9}" type="datetimeFigureOut">
               <a:rPr lang="zh-CN" altLang="en-US" smtClean="0"/>
-              <a:t>2021/12/28</a:t>
+              <a:t>2022/1/10</a:t>
             </a:fld>
             <a:endParaRPr lang="zh-CN" altLang="en-US"/>
           </a:p>
@@ -4244,7 +4245,7 @@
           <a:p>
             <a:fld id="{51EE646F-F65C-4115-9CFB-3F24605268F9}" type="datetimeFigureOut">
               <a:rPr lang="zh-CN" altLang="en-US" smtClean="0"/>
-              <a:t>2021/12/28</a:t>
+              <a:t>2022/1/10</a:t>
             </a:fld>
             <a:endParaRPr lang="zh-CN" altLang="en-US"/>
           </a:p>
@@ -4617,7 +4618,7 @@
           <a:p>
             <a:fld id="{51EE646F-F65C-4115-9CFB-3F24605268F9}" type="datetimeFigureOut">
               <a:rPr lang="zh-CN" altLang="en-US" smtClean="0"/>
-              <a:t>2021/12/28</a:t>
+              <a:t>2022/1/10</a:t>
             </a:fld>
             <a:endParaRPr lang="zh-CN" altLang="en-US"/>
           </a:p>
@@ -4735,7 +4736,7 @@
           <a:p>
             <a:fld id="{51EE646F-F65C-4115-9CFB-3F24605268F9}" type="datetimeFigureOut">
               <a:rPr lang="zh-CN" altLang="en-US" smtClean="0"/>
-              <a:t>2021/12/28</a:t>
+              <a:t>2022/1/10</a:t>
             </a:fld>
             <a:endParaRPr lang="zh-CN" altLang="en-US"/>
           </a:p>
@@ -4830,7 +4831,7 @@
           <a:p>
             <a:fld id="{51EE646F-F65C-4115-9CFB-3F24605268F9}" type="datetimeFigureOut">
               <a:rPr lang="zh-CN" altLang="en-US" smtClean="0"/>
-              <a:t>2021/12/28</a:t>
+              <a:t>2022/1/10</a:t>
             </a:fld>
             <a:endParaRPr lang="zh-CN" altLang="en-US"/>
           </a:p>
@@ -5081,7 +5082,7 @@
           <a:p>
             <a:fld id="{51EE646F-F65C-4115-9CFB-3F24605268F9}" type="datetimeFigureOut">
               <a:rPr lang="zh-CN" altLang="en-US" smtClean="0"/>
-              <a:t>2021/12/28</a:t>
+              <a:t>2022/1/10</a:t>
             </a:fld>
             <a:endParaRPr lang="zh-CN" altLang="en-US"/>
           </a:p>
@@ -5368,7 +5369,7 @@
           <a:p>
             <a:fld id="{51EE646F-F65C-4115-9CFB-3F24605268F9}" type="datetimeFigureOut">
               <a:rPr lang="zh-CN" altLang="en-US" smtClean="0"/>
-              <a:t>2021/12/28</a:t>
+              <a:t>2022/1/10</a:t>
             </a:fld>
             <a:endParaRPr lang="zh-CN" altLang="en-US"/>
           </a:p>
@@ -5581,7 +5582,7 @@
           <a:p>
             <a:fld id="{51EE646F-F65C-4115-9CFB-3F24605268F9}" type="datetimeFigureOut">
               <a:rPr lang="zh-CN" altLang="en-US" smtClean="0"/>
-              <a:t>2021/12/28</a:t>
+              <a:t>2022/1/10</a:t>
             </a:fld>
             <a:endParaRPr lang="zh-CN" altLang="en-US"/>
           </a:p>
@@ -7867,6 +7868,402 @@
 </file>
 
 <file path=ppt/slides/slide5.xml><?xml version="1.0" encoding="utf-8"?>
+<p:sld xmlns:a="http://schemas.openxmlformats.org/drawingml/2006/main" xmlns:r="http://schemas.openxmlformats.org/officeDocument/2006/relationships" xmlns:p="http://schemas.openxmlformats.org/presentationml/2006/main">
+  <p:cSld>
+    <p:spTree>
+      <p:nvGrpSpPr>
+        <p:cNvPr id="1" name=""/>
+        <p:cNvGrpSpPr/>
+        <p:nvPr/>
+      </p:nvGrpSpPr>
+      <p:grpSpPr>
+        <a:xfrm>
+          <a:off x="0" y="0"/>
+          <a:ext cx="0" cy="0"/>
+          <a:chOff x="0" y="0"/>
+          <a:chExt cx="0" cy="0"/>
+        </a:xfrm>
+      </p:grpSpPr>
+      <p:sp>
+        <p:nvSpPr>
+          <p:cNvPr id="3" name="内容占位符 2">
+            <a:extLst>
+              <a:ext uri="{FF2B5EF4-FFF2-40B4-BE49-F238E27FC236}">
+                <a16:creationId xmlns:a16="http://schemas.microsoft.com/office/drawing/2014/main" id="{9A404DD8-F4C2-47A1-A8B2-B1DC6A009831}"/>
+              </a:ext>
+            </a:extLst>
+          </p:cNvPr>
+          <p:cNvSpPr>
+            <a:spLocks noGrp="1"/>
+          </p:cNvSpPr>
+          <p:nvPr>
+            <p:ph idx="1"/>
+          </p:nvPr>
+        </p:nvSpPr>
+        <p:spPr>
+          <a:xfrm>
+            <a:off x="0" y="66676"/>
+            <a:ext cx="11939588" cy="676274"/>
+          </a:xfrm>
+        </p:spPr>
+        <p:txBody>
+          <a:bodyPr>
+            <a:noAutofit/>
+          </a:bodyPr>
+          <a:lstStyle/>
+          <a:p>
+            <a:pPr marL="0" indent="0">
+              <a:lnSpc>
+                <a:spcPct val="100000"/>
+              </a:lnSpc>
+              <a:spcBef>
+                <a:spcPts val="0"/>
+              </a:spcBef>
+              <a:buNone/>
+            </a:pPr>
+            <a:r>
+              <a:rPr lang="zh-CN" altLang="en-US" sz="3500" dirty="0">
+                <a:effectLst/>
+                <a:ea typeface="等线" panose="02010600030101010101" pitchFamily="2" charset="-122"/>
+                <a:cs typeface="Times New Roman" panose="02020603050405020304" pitchFamily="18" charset="0"/>
+              </a:rPr>
+              <a:t>优化</a:t>
+            </a:r>
+            <a:endParaRPr lang="en-US" altLang="zh-CN" sz="3500" dirty="0">
+              <a:effectLst/>
+              <a:ea typeface="等线" panose="02010600030101010101" pitchFamily="2" charset="-122"/>
+              <a:cs typeface="Times New Roman" panose="02020603050405020304" pitchFamily="18" charset="0"/>
+            </a:endParaRPr>
+          </a:p>
+        </p:txBody>
+      </p:sp>
+      <p:sp>
+        <p:nvSpPr>
+          <p:cNvPr id="4" name="内容占位符 2">
+            <a:extLst>
+              <a:ext uri="{FF2B5EF4-FFF2-40B4-BE49-F238E27FC236}">
+                <a16:creationId xmlns:a16="http://schemas.microsoft.com/office/drawing/2014/main" id="{4E4AA804-05AD-46E4-8094-70AE8D8798C4}"/>
+              </a:ext>
+            </a:extLst>
+          </p:cNvPr>
+          <p:cNvSpPr txBox="1">
+            <a:spLocks/>
+          </p:cNvSpPr>
+          <p:nvPr/>
+        </p:nvSpPr>
+        <p:spPr>
+          <a:xfrm>
+            <a:off x="0" y="742950"/>
+            <a:ext cx="11939588" cy="6048374"/>
+          </a:xfrm>
+          <a:prstGeom prst="rect">
+            <a:avLst/>
+          </a:prstGeom>
+        </p:spPr>
+        <p:txBody>
+          <a:bodyPr vert="horz" lIns="91440" tIns="45720" rIns="91440" bIns="45720" rtlCol="0">
+            <a:noAutofit/>
+          </a:bodyPr>
+          <a:lstStyle>
+            <a:lvl1pPr marL="228600" indent="-228600" algn="l" defTabSz="914400" rtl="0" eaLnBrk="1" latinLnBrk="0" hangingPunct="1">
+              <a:lnSpc>
+                <a:spcPct val="120000"/>
+              </a:lnSpc>
+              <a:spcBef>
+                <a:spcPts val="1000"/>
+              </a:spcBef>
+              <a:buFont typeface="Arial" panose="020B0604020202020204" pitchFamily="34" charset="0"/>
+              <a:buChar char="•"/>
+              <a:defRPr sz="2000" kern="1200">
+                <a:solidFill>
+                  <a:schemeClr val="tx1"/>
+                </a:solidFill>
+                <a:effectLst>
+                  <a:outerShdw blurRad="50800" dist="38100" dir="2700000" algn="tl" rotWithShape="0">
+                    <a:srgbClr val="000000">
+                      <a:alpha val="48000"/>
+                    </a:srgbClr>
+                  </a:outerShdw>
+                </a:effectLst>
+                <a:latin typeface="+mn-lt"/>
+                <a:ea typeface="+mn-ea"/>
+                <a:cs typeface="+mn-cs"/>
+              </a:defRPr>
+            </a:lvl1pPr>
+            <a:lvl2pPr marL="685800" indent="-228600" algn="l" defTabSz="914400" rtl="0" eaLnBrk="1" latinLnBrk="0" hangingPunct="1">
+              <a:lnSpc>
+                <a:spcPct val="120000"/>
+              </a:lnSpc>
+              <a:spcBef>
+                <a:spcPts val="500"/>
+              </a:spcBef>
+              <a:buFont typeface="Arial" panose="020B0604020202020204" pitchFamily="34" charset="0"/>
+              <a:buChar char="•"/>
+              <a:defRPr sz="1800" kern="1200">
+                <a:solidFill>
+                  <a:schemeClr val="tx1"/>
+                </a:solidFill>
+                <a:effectLst>
+                  <a:outerShdw blurRad="50800" dist="38100" dir="2700000" algn="tl" rotWithShape="0">
+                    <a:srgbClr val="000000">
+                      <a:alpha val="48000"/>
+                    </a:srgbClr>
+                  </a:outerShdw>
+                </a:effectLst>
+                <a:latin typeface="+mn-lt"/>
+                <a:ea typeface="+mn-ea"/>
+                <a:cs typeface="+mn-cs"/>
+              </a:defRPr>
+            </a:lvl2pPr>
+            <a:lvl3pPr marL="1143000" indent="-228600" algn="l" defTabSz="914400" rtl="0" eaLnBrk="1" latinLnBrk="0" hangingPunct="1">
+              <a:lnSpc>
+                <a:spcPct val="120000"/>
+              </a:lnSpc>
+              <a:spcBef>
+                <a:spcPts val="500"/>
+              </a:spcBef>
+              <a:buFont typeface="Arial" panose="020B0604020202020204" pitchFamily="34" charset="0"/>
+              <a:buChar char="•"/>
+              <a:defRPr sz="1600" kern="1200">
+                <a:solidFill>
+                  <a:schemeClr val="tx1"/>
+                </a:solidFill>
+                <a:effectLst>
+                  <a:outerShdw blurRad="50800" dist="38100" dir="2700000" algn="tl" rotWithShape="0">
+                    <a:srgbClr val="000000">
+                      <a:alpha val="48000"/>
+                    </a:srgbClr>
+                  </a:outerShdw>
+                </a:effectLst>
+                <a:latin typeface="+mn-lt"/>
+                <a:ea typeface="+mn-ea"/>
+                <a:cs typeface="+mn-cs"/>
+              </a:defRPr>
+            </a:lvl3pPr>
+            <a:lvl4pPr marL="1600200" indent="-228600" algn="l" defTabSz="914400" rtl="0" eaLnBrk="1" latinLnBrk="0" hangingPunct="1">
+              <a:lnSpc>
+                <a:spcPct val="120000"/>
+              </a:lnSpc>
+              <a:spcBef>
+                <a:spcPts val="500"/>
+              </a:spcBef>
+              <a:buFont typeface="Arial" panose="020B0604020202020204" pitchFamily="34" charset="0"/>
+              <a:buChar char="•"/>
+              <a:defRPr sz="1400" kern="1200">
+                <a:solidFill>
+                  <a:schemeClr val="tx1"/>
+                </a:solidFill>
+                <a:effectLst>
+                  <a:outerShdw blurRad="50800" dist="38100" dir="2700000" algn="tl" rotWithShape="0">
+                    <a:srgbClr val="000000">
+                      <a:alpha val="48000"/>
+                    </a:srgbClr>
+                  </a:outerShdw>
+                </a:effectLst>
+                <a:latin typeface="+mn-lt"/>
+                <a:ea typeface="+mn-ea"/>
+                <a:cs typeface="+mn-cs"/>
+              </a:defRPr>
+            </a:lvl4pPr>
+            <a:lvl5pPr marL="2057400" indent="-228600" algn="l" defTabSz="914400" rtl="0" eaLnBrk="1" latinLnBrk="0" hangingPunct="1">
+              <a:lnSpc>
+                <a:spcPct val="120000"/>
+              </a:lnSpc>
+              <a:spcBef>
+                <a:spcPts val="500"/>
+              </a:spcBef>
+              <a:buFont typeface="Arial" panose="020B0604020202020204" pitchFamily="34" charset="0"/>
+              <a:buChar char="•"/>
+              <a:defRPr sz="1200" kern="1200">
+                <a:solidFill>
+                  <a:schemeClr val="tx1"/>
+                </a:solidFill>
+                <a:effectLst>
+                  <a:outerShdw blurRad="50800" dist="38100" dir="2700000" algn="tl" rotWithShape="0">
+                    <a:srgbClr val="000000">
+                      <a:alpha val="48000"/>
+                    </a:srgbClr>
+                  </a:outerShdw>
+                </a:effectLst>
+                <a:latin typeface="+mn-lt"/>
+                <a:ea typeface="+mn-ea"/>
+                <a:cs typeface="+mn-cs"/>
+              </a:defRPr>
+            </a:lvl5pPr>
+            <a:lvl6pPr marL="2514600" indent="-228600" algn="l" defTabSz="914400" rtl="0" eaLnBrk="1" latinLnBrk="0" hangingPunct="1">
+              <a:lnSpc>
+                <a:spcPct val="120000"/>
+              </a:lnSpc>
+              <a:spcBef>
+                <a:spcPts val="500"/>
+              </a:spcBef>
+              <a:buFont typeface="Arial" panose="020B0604020202020204" pitchFamily="34" charset="0"/>
+              <a:buChar char="•"/>
+              <a:defRPr sz="1200" kern="1200">
+                <a:solidFill>
+                  <a:schemeClr val="tx1"/>
+                </a:solidFill>
+                <a:effectLst>
+                  <a:outerShdw blurRad="50800" dist="38100" dir="2700000" algn="tl" rotWithShape="0">
+                    <a:srgbClr val="000000">
+                      <a:alpha val="48000"/>
+                    </a:srgbClr>
+                  </a:outerShdw>
+                </a:effectLst>
+                <a:latin typeface="+mn-lt"/>
+                <a:ea typeface="+mn-ea"/>
+                <a:cs typeface="+mn-cs"/>
+              </a:defRPr>
+            </a:lvl6pPr>
+            <a:lvl7pPr marL="2971800" indent="-228600" algn="l" defTabSz="914400" rtl="0" eaLnBrk="1" latinLnBrk="0" hangingPunct="1">
+              <a:lnSpc>
+                <a:spcPct val="120000"/>
+              </a:lnSpc>
+              <a:spcBef>
+                <a:spcPts val="500"/>
+              </a:spcBef>
+              <a:buFont typeface="Arial" panose="020B0604020202020204" pitchFamily="34" charset="0"/>
+              <a:buChar char="•"/>
+              <a:defRPr sz="1200" kern="1200">
+                <a:solidFill>
+                  <a:schemeClr val="tx1"/>
+                </a:solidFill>
+                <a:effectLst>
+                  <a:outerShdw blurRad="50800" dist="38100" dir="2700000" algn="tl" rotWithShape="0">
+                    <a:srgbClr val="000000">
+                      <a:alpha val="48000"/>
+                    </a:srgbClr>
+                  </a:outerShdw>
+                </a:effectLst>
+                <a:latin typeface="+mn-lt"/>
+                <a:ea typeface="+mn-ea"/>
+                <a:cs typeface="+mn-cs"/>
+              </a:defRPr>
+            </a:lvl7pPr>
+            <a:lvl8pPr marL="3429000" indent="-228600" algn="l" defTabSz="914400" rtl="0" eaLnBrk="1" latinLnBrk="0" hangingPunct="1">
+              <a:lnSpc>
+                <a:spcPct val="120000"/>
+              </a:lnSpc>
+              <a:spcBef>
+                <a:spcPts val="500"/>
+              </a:spcBef>
+              <a:buFont typeface="Arial" panose="020B0604020202020204" pitchFamily="34" charset="0"/>
+              <a:buChar char="•"/>
+              <a:defRPr sz="1200" kern="1200">
+                <a:solidFill>
+                  <a:schemeClr val="tx1"/>
+                </a:solidFill>
+                <a:effectLst>
+                  <a:outerShdw blurRad="50800" dist="38100" dir="2700000" algn="tl" rotWithShape="0">
+                    <a:srgbClr val="000000">
+                      <a:alpha val="48000"/>
+                    </a:srgbClr>
+                  </a:outerShdw>
+                </a:effectLst>
+                <a:latin typeface="+mn-lt"/>
+                <a:ea typeface="+mn-ea"/>
+                <a:cs typeface="+mn-cs"/>
+              </a:defRPr>
+            </a:lvl8pPr>
+            <a:lvl9pPr marL="3886200" indent="-228600" algn="l" defTabSz="914400" rtl="0" eaLnBrk="1" latinLnBrk="0" hangingPunct="1">
+              <a:lnSpc>
+                <a:spcPct val="120000"/>
+              </a:lnSpc>
+              <a:spcBef>
+                <a:spcPts val="500"/>
+              </a:spcBef>
+              <a:buFont typeface="Arial" panose="020B0604020202020204" pitchFamily="34" charset="0"/>
+              <a:buChar char="•"/>
+              <a:defRPr sz="1200" kern="1200">
+                <a:solidFill>
+                  <a:schemeClr val="tx1"/>
+                </a:solidFill>
+                <a:effectLst>
+                  <a:outerShdw blurRad="50800" dist="38100" dir="2700000" algn="tl" rotWithShape="0">
+                    <a:srgbClr val="000000">
+                      <a:alpha val="48000"/>
+                    </a:srgbClr>
+                  </a:outerShdw>
+                </a:effectLst>
+                <a:latin typeface="+mn-lt"/>
+                <a:ea typeface="+mn-ea"/>
+                <a:cs typeface="+mn-cs"/>
+              </a:defRPr>
+            </a:lvl9pPr>
+          </a:lstStyle>
+          <a:p>
+            <a:pPr marL="0" indent="0">
+              <a:lnSpc>
+                <a:spcPct val="100000"/>
+              </a:lnSpc>
+              <a:spcBef>
+                <a:spcPts val="0"/>
+              </a:spcBef>
+              <a:buFont typeface="Arial" panose="020B0604020202020204" pitchFamily="34" charset="0"/>
+              <a:buNone/>
+            </a:pPr>
+            <a:r>
+              <a:rPr lang="zh-CN" altLang="en-US" sz="4200" dirty="0">
+                <a:effectLst/>
+                <a:ea typeface="等线" panose="02010600030101010101" pitchFamily="2" charset="-122"/>
+                <a:cs typeface="Times New Roman" panose="02020603050405020304" pitchFamily="18" charset="0"/>
+              </a:rPr>
+              <a:t>每一次客户端和</a:t>
+            </a:r>
+            <a:r>
+              <a:rPr lang="en-US" altLang="zh-CN" sz="4200" dirty="0">
+                <a:effectLst/>
+                <a:ea typeface="等线" panose="02010600030101010101" pitchFamily="2" charset="-122"/>
+                <a:cs typeface="Times New Roman" panose="02020603050405020304" pitchFamily="18" charset="0"/>
+              </a:rPr>
+              <a:t>Controller</a:t>
+            </a:r>
+            <a:r>
+              <a:rPr lang="zh-CN" altLang="en-US" sz="4200" dirty="0">
+                <a:effectLst/>
+                <a:ea typeface="等线" panose="02010600030101010101" pitchFamily="2" charset="-122"/>
+                <a:cs typeface="Times New Roman" panose="02020603050405020304" pitchFamily="18" charset="0"/>
+              </a:rPr>
+              <a:t>的交互的时候，检查</a:t>
+            </a:r>
+            <a:r>
+              <a:rPr lang="en-US" altLang="zh-CN" sz="4200" dirty="0" err="1">
+                <a:effectLst/>
+                <a:ea typeface="等线" panose="02010600030101010101" pitchFamily="2" charset="-122"/>
+                <a:cs typeface="Times New Roman" panose="02020603050405020304" pitchFamily="18" charset="0"/>
+              </a:rPr>
+              <a:t>JWTVersion</a:t>
+            </a:r>
+            <a:r>
+              <a:rPr lang="zh-CN" altLang="en-US" sz="4200">
+                <a:effectLst/>
+                <a:ea typeface="等线" panose="02010600030101010101" pitchFamily="2" charset="-122"/>
+                <a:cs typeface="Times New Roman" panose="02020603050405020304" pitchFamily="18" charset="0"/>
+              </a:rPr>
+              <a:t>的筛选器都要查询数据库，性能太低，可以用缓存进行优化。</a:t>
+            </a:r>
+            <a:endParaRPr lang="en-US" altLang="zh-CN" sz="4200" dirty="0">
+              <a:effectLst/>
+              <a:ea typeface="等线" panose="02010600030101010101" pitchFamily="2" charset="-122"/>
+              <a:cs typeface="Times New Roman" panose="02020603050405020304" pitchFamily="18" charset="0"/>
+            </a:endParaRPr>
+          </a:p>
+        </p:txBody>
+      </p:sp>
+    </p:spTree>
+    <p:extLst>
+      <p:ext uri="{BB962C8B-B14F-4D97-AF65-F5344CB8AC3E}">
+        <p14:creationId xmlns:p14="http://schemas.microsoft.com/office/powerpoint/2010/main" val="3053180552"/>
+      </p:ext>
+    </p:extLst>
+  </p:cSld>
+  <p:clrMapOvr>
+    <a:masterClrMapping/>
+  </p:clrMapOvr>
+</p:sld>
+</file>
+
+<file path=ppt/slides/slide6.xml><?xml version="1.0" encoding="utf-8"?>
 <p:sld xmlns:a="http://schemas.openxmlformats.org/drawingml/2006/main" xmlns:r="http://schemas.openxmlformats.org/officeDocument/2006/relationships" xmlns:p="http://schemas.openxmlformats.org/presentationml/2006/main">
   <p:cSld>
     <p:spTree>
